--- a/docs/decks/KickOff.pptx
+++ b/docs/decks/KickOff.pptx
@@ -201,7 +201,7 @@
           <a:p>
             <a:fld id="{732E4E38-A446-1648-BA0C-2DBCE150805E}" type="datetimeFigureOut">
               <a:rPr lang="en-US" smtClean="0"/>
-              <a:t>9/7/13</a:t>
+              <a:t>9/9/13</a:t>
             </a:fld>
             <a:endParaRPr lang="es-AR"/>
           </a:p>
@@ -852,7 +852,7 @@
           <a:p>
             <a:fld id="{216C5678-EE20-4FA5-88E2-6E0BD67A2E26}" type="datetime1">
               <a:rPr lang="en-US" smtClean="0"/>
-              <a:t>9/7/13</a:t>
+              <a:t>9/9/13</a:t>
             </a:fld>
             <a:endParaRPr lang="en-US" dirty="0"/>
           </a:p>
@@ -1022,7 +1022,7 @@
           <a:p>
             <a:fld id="{EA051B39-B140-43FE-96DB-472A2B59CE7C}" type="datetime1">
               <a:rPr lang="en-US" smtClean="0"/>
-              <a:t>9/7/13</a:t>
+              <a:t>9/9/13</a:t>
             </a:fld>
             <a:endParaRPr lang="en-US"/>
           </a:p>
@@ -1202,7 +1202,7 @@
           <a:p>
             <a:fld id="{DA600BB2-27C5-458B-ABCE-839C88CF47CE}" type="datetime1">
               <a:rPr lang="en-US" smtClean="0"/>
-              <a:t>9/7/13</a:t>
+              <a:t>9/9/13</a:t>
             </a:fld>
             <a:endParaRPr lang="en-US"/>
           </a:p>
@@ -1390,7 +1390,7 @@
           <a:p>
             <a:fld id="{B11D738E-8962-435F-8C43-147B8DD7E819}" type="datetime1">
               <a:rPr lang="en-US" smtClean="0"/>
-              <a:t>9/7/13</a:t>
+              <a:t>9/9/13</a:t>
             </a:fld>
             <a:endParaRPr lang="en-US"/>
           </a:p>
@@ -1657,7 +1657,7 @@
           <a:p>
             <a:fld id="{09CAEA93-55E7-4DA9-90C2-089A26EEFEC4}" type="datetime1">
               <a:rPr lang="en-US" smtClean="0"/>
-              <a:t>9/7/13</a:t>
+              <a:t>9/9/13</a:t>
             </a:fld>
             <a:endParaRPr lang="en-US"/>
           </a:p>
@@ -2010,7 +2010,7 @@
           <a:p>
             <a:fld id="{E34CF3C7-6809-4F39-BD67-A75817BDDE0A}" type="datetime1">
               <a:rPr lang="en-US" smtClean="0"/>
-              <a:t>9/7/13</a:t>
+              <a:t>9/9/13</a:t>
             </a:fld>
             <a:endParaRPr lang="en-US"/>
           </a:p>
@@ -2323,7 +2323,7 @@
           <a:p>
             <a:fld id="{F7EAEB24-CE78-465C-A726-91D0868FA48F}" type="datetime1">
               <a:rPr lang="en-US" smtClean="0"/>
-              <a:t>9/7/13</a:t>
+              <a:t>9/9/13</a:t>
             </a:fld>
             <a:endParaRPr lang="en-US"/>
           </a:p>
@@ -2555,7 +2555,7 @@
           <a:p>
             <a:fld id="{40BAADF0-1749-4E8B-9691-B44A5F8C0895}" type="datetime1">
               <a:rPr lang="en-US" smtClean="0"/>
-              <a:t>9/7/13</a:t>
+              <a:t>9/9/13</a:t>
             </a:fld>
             <a:endParaRPr lang="en-US"/>
           </a:p>
@@ -2650,7 +2650,7 @@
           <a:p>
             <a:fld id="{A8AF628A-A867-4937-BBE5-207DB6F9C51A}" type="datetime1">
               <a:rPr lang="en-US" smtClean="0"/>
-              <a:t>9/7/13</a:t>
+              <a:t>9/9/13</a:t>
             </a:fld>
             <a:endParaRPr lang="en-US"/>
           </a:p>
@@ -2943,7 +2943,7 @@
           <a:p>
             <a:fld id="{118BBB94-68E6-4675-A946-F1C5994EDBD7}" type="datetime1">
               <a:rPr lang="en-US" smtClean="0"/>
-              <a:t>9/7/13</a:t>
+              <a:t>9/9/13</a:t>
             </a:fld>
             <a:endParaRPr lang="en-US"/>
           </a:p>
@@ -3217,7 +3217,7 @@
           <a:p>
             <a:fld id="{DC3B8377-21E3-4835-B75D-4E2847E2750F}" type="datetime1">
               <a:rPr lang="en-US" smtClean="0"/>
-              <a:t>9/7/13</a:t>
+              <a:t>9/9/13</a:t>
             </a:fld>
             <a:endParaRPr lang="en-US"/>
           </a:p>
@@ -3432,7 +3432,7 @@
           <a:p>
             <a:fld id="{B0C4986D-6BE9-4264-908F-02DB36FD8D6C}" type="datetime1">
               <a:rPr lang="en-US" smtClean="0"/>
-              <a:t>9/7/13</a:t>
+              <a:t>9/9/13</a:t>
             </a:fld>
             <a:endParaRPr lang="en-US" dirty="0"/>
           </a:p>
@@ -3998,11 +3998,7 @@
           <a:p>
             <a:r>
               <a:rPr lang="es-AR" dirty="0" smtClean="0"/>
-              <a:t>Sitio web para la creaci</a:t>
-            </a:r>
-            <a:r>
-              <a:rPr lang="es-AR" dirty="0" smtClean="0"/>
-              <a:t>ón y posterior edición colaborativa de presentaciones animadas</a:t>
+              <a:t>Sitio web para la creación y posterior edición colaborativa de presentaciones animadas</a:t>
             </a:r>
             <a:endParaRPr lang="es-AR" dirty="0"/>
           </a:p>
@@ -4018,6 +4014,13 @@
   <p:clrMapOvr>
     <a:masterClrMapping/>
   </p:clrMapOvr>
+  <p:timing>
+    <p:tnLst>
+      <p:par>
+        <p:cTn xmlns:p14="http://schemas.microsoft.com/office/powerpoint/2010/main" id="1" dur="indefinite" restart="never" nodeType="tmRoot"/>
+      </p:par>
+    </p:tnLst>
+  </p:timing>
 </p:sld>
 </file>
 
@@ -4133,8 +4136,24 @@
             </a:pPr>
             <a:r>
               <a:rPr lang="es-AR" dirty="0" smtClean="0"/>
-              <a:t>Como seguimos?</a:t>
-            </a:r>
+              <a:t>Como seguimos</a:t>
+            </a:r>
+            <a:r>
+              <a:rPr lang="es-AR" dirty="0" smtClean="0"/>
+              <a:t>?</a:t>
+            </a:r>
+          </a:p>
+          <a:p>
+            <a:pPr>
+              <a:lnSpc>
+                <a:spcPct val="150000"/>
+              </a:lnSpc>
+            </a:pPr>
+            <a:r>
+              <a:rPr lang="es-AR" dirty="0" smtClean="0"/>
+              <a:t>Reuniones de avance?</a:t>
+            </a:r>
+            <a:endParaRPr lang="es-AR" dirty="0" smtClean="0"/>
           </a:p>
         </p:txBody>
       </p:sp>
@@ -4148,6 +4167,13 @@
   <p:clrMapOvr>
     <a:masterClrMapping/>
   </p:clrMapOvr>
+  <p:timing>
+    <p:tnLst>
+      <p:par>
+        <p:cTn xmlns:p14="http://schemas.microsoft.com/office/powerpoint/2010/main" id="1" dur="indefinite" restart="never" nodeType="tmRoot"/>
+      </p:par>
+    </p:tnLst>
+  </p:timing>
 </p:sld>
 </file>
 
@@ -4251,15 +4277,7 @@
           <a:p>
             <a:r>
               <a:rPr lang="es-AR" dirty="0" smtClean="0"/>
-              <a:t>Definici</a:t>
-            </a:r>
-            <a:r>
-              <a:rPr lang="es-AR" dirty="0" smtClean="0"/>
-              <a:t>ón de</a:t>
-            </a:r>
-            <a:r>
-              <a:rPr lang="es-AR" dirty="0" smtClean="0"/>
-              <a:t> </a:t>
+              <a:t>Definición de </a:t>
             </a:r>
             <a:r>
               <a:rPr lang="es-AR" dirty="0"/>
@@ -4287,6 +4305,13 @@
   <p:clrMapOvr>
     <a:masterClrMapping/>
   </p:clrMapOvr>
+  <p:timing>
+    <p:tnLst>
+      <p:par>
+        <p:cTn xmlns:p14="http://schemas.microsoft.com/office/powerpoint/2010/main" id="1" dur="indefinite" restart="never" nodeType="tmRoot"/>
+      </p:par>
+    </p:tnLst>
+  </p:timing>
 </p:sld>
 </file>
 
@@ -4447,6 +4472,13 @@
   <p:clrMapOvr>
     <a:masterClrMapping/>
   </p:clrMapOvr>
+  <p:timing>
+    <p:tnLst>
+      <p:par>
+        <p:cTn xmlns:p14="http://schemas.microsoft.com/office/powerpoint/2010/main" id="1" dur="indefinite" restart="never" nodeType="tmRoot"/>
+      </p:par>
+    </p:tnLst>
+  </p:timing>
 </p:sld>
 </file>
 
@@ -4526,11 +4558,7 @@
             </a:pPr>
             <a:r>
               <a:rPr lang="es-AR" dirty="0" smtClean="0"/>
-              <a:t>Creaci</a:t>
-            </a:r>
-            <a:r>
-              <a:rPr lang="es-AR" dirty="0" smtClean="0"/>
-              <a:t>ón y edición de presentaciones visuales</a:t>
+              <a:t>Creación y edición de presentaciones visuales</a:t>
             </a:r>
           </a:p>
           <a:p>
@@ -4579,6 +4607,13 @@
   <p:clrMapOvr>
     <a:masterClrMapping/>
   </p:clrMapOvr>
+  <p:timing>
+    <p:tnLst>
+      <p:par>
+        <p:cTn xmlns:p14="http://schemas.microsoft.com/office/powerpoint/2010/main" id="1" dur="indefinite" restart="never" nodeType="tmRoot"/>
+      </p:par>
+    </p:tnLst>
+  </p:timing>
 </p:sld>
 </file>
 
@@ -4642,19 +4677,7 @@
           <a:p>
             <a:r>
               <a:rPr lang="es-AR" dirty="0" smtClean="0"/>
-              <a:t>Trabajo pr</a:t>
-            </a:r>
-            <a:r>
-              <a:rPr lang="es-AR" dirty="0" smtClean="0"/>
-              <a:t>áctico</a:t>
-            </a:r>
-            <a:r>
-              <a:rPr lang="es-AR" dirty="0" smtClean="0"/>
-              <a:t> de Administraci</a:t>
-            </a:r>
-            <a:r>
-              <a:rPr lang="es-AR" dirty="0" smtClean="0"/>
-              <a:t>ón y Control de proyectos II</a:t>
+              <a:t>Trabajo práctico de Administración y Control de proyectos II</a:t>
             </a:r>
             <a:endParaRPr lang="es-AR" dirty="0"/>
           </a:p>
@@ -4670,6 +4693,13 @@
   <p:clrMapOvr>
     <a:masterClrMapping/>
   </p:clrMapOvr>
+  <p:timing>
+    <p:tnLst>
+      <p:par>
+        <p:cTn xmlns:p14="http://schemas.microsoft.com/office/powerpoint/2010/main" id="1" dur="indefinite" restart="never" nodeType="tmRoot"/>
+      </p:par>
+    </p:tnLst>
+  </p:timing>
 </p:sld>
 </file>
 
@@ -4769,15 +4799,7 @@
             <a:pPr lvl="1"/>
             <a:r>
               <a:rPr lang="es-AR" dirty="0" smtClean="0"/>
-              <a:t>Mas informaci</a:t>
-            </a:r>
-            <a:r>
-              <a:rPr lang="es-AR" dirty="0" smtClean="0"/>
-              <a:t>ón</a:t>
-            </a:r>
-            <a:r>
-              <a:rPr lang="es-AR" dirty="0" smtClean="0"/>
-              <a:t>: </a:t>
+              <a:t>Mas información: </a:t>
             </a:r>
             <a:r>
               <a:rPr lang="es-AR" dirty="0" smtClean="0">
@@ -4837,11 +4859,7 @@
             <a:pPr lvl="1"/>
             <a:r>
               <a:rPr lang="es-AR" dirty="0" smtClean="0"/>
-              <a:t>Mas informaci</a:t>
-            </a:r>
-            <a:r>
-              <a:rPr lang="es-AR" dirty="0" smtClean="0"/>
-              <a:t>ón: </a:t>
+              <a:t>Mas información: </a:t>
             </a:r>
             <a:r>
               <a:rPr lang="es-AR" dirty="0" smtClean="0">
@@ -4901,6 +4919,13 @@
   <p:clrMapOvr>
     <a:masterClrMapping/>
   </p:clrMapOvr>
+  <p:timing>
+    <p:tnLst>
+      <p:par>
+        <p:cTn xmlns:p14="http://schemas.microsoft.com/office/powerpoint/2010/main" id="1" dur="indefinite" restart="never" nodeType="tmRoot"/>
+      </p:par>
+    </p:tnLst>
+  </p:timing>
 </p:sld>
 </file>
 
@@ -5063,6 +5088,13 @@
   <p:clrMapOvr>
     <a:masterClrMapping/>
   </p:clrMapOvr>
+  <p:timing>
+    <p:tnLst>
+      <p:par>
+        <p:cTn xmlns:p14="http://schemas.microsoft.com/office/powerpoint/2010/main" id="1" dur="indefinite" restart="never" nodeType="tmRoot"/>
+      </p:par>
+    </p:tnLst>
+  </p:timing>
 </p:sld>
 </file>
 
@@ -5179,6 +5211,13 @@
   <p:clrMapOvr>
     <a:masterClrMapping/>
   </p:clrMapOvr>
+  <p:timing>
+    <p:tnLst>
+      <p:par>
+        <p:cTn xmlns:p14="http://schemas.microsoft.com/office/powerpoint/2010/main" id="1" dur="indefinite" restart="never" nodeType="tmRoot"/>
+      </p:par>
+    </p:tnLst>
+  </p:timing>
 </p:sld>
 </file>
 
@@ -5302,6 +5341,13 @@
   <p:clrMapOvr>
     <a:masterClrMapping/>
   </p:clrMapOvr>
+  <p:timing>
+    <p:tnLst>
+      <p:par>
+        <p:cTn xmlns:p14="http://schemas.microsoft.com/office/powerpoint/2010/main" id="1" dur="indefinite" restart="never" nodeType="tmRoot"/>
+      </p:par>
+    </p:tnLst>
+  </p:timing>
 </p:sld>
 </file>
 
